--- a/module_8/part_3/plants.pptx
+++ b/module_8/part_3/plants.pptx
@@ -6,10 +6,11 @@
   </p:sldMasterIdLst>
   <p:sldIdLst>
     <p:sldId id="256" r:id="rId2"/>
-    <p:sldId id="258" r:id="rId3"/>
-    <p:sldId id="259" r:id="rId4"/>
-    <p:sldId id="260" r:id="rId5"/>
-    <p:sldId id="261" r:id="rId6"/>
+    <p:sldId id="263" r:id="rId3"/>
+    <p:sldId id="258" r:id="rId4"/>
+    <p:sldId id="259" r:id="rId5"/>
+    <p:sldId id="260" r:id="rId6"/>
+    <p:sldId id="261" r:id="rId7"/>
   </p:sldIdLst>
   <p:sldSz cx="12192000" cy="6858000"/>
   <p:notesSz cx="6858000" cy="9144000"/>
@@ -108,6 +109,11 @@
       </a:defRPr>
     </a:lvl9pPr>
   </p:defaultTextStyle>
+  <p:extLst>
+    <p:ext uri="{EFAFB233-063F-42B5-8137-9DF3F51BA10A}">
+      <p15:sldGuideLst xmlns:p15="http://schemas.microsoft.com/office/powerpoint/2012/main"/>
+    </p:ext>
+  </p:extLst>
 </p:presentation>
 </file>
 
@@ -2998,6 +3004,141 @@
           </a:prstGeom>
         </p:spPr>
       </p:pic>
+    </p:spTree>
+    <p:extLst>
+      <p:ext uri="{BB962C8B-B14F-4D97-AF65-F5344CB8AC3E}">
+        <p14:creationId xmlns:p14="http://schemas.microsoft.com/office/powerpoint/2010/main" val="1359149498"/>
+      </p:ext>
+    </p:extLst>
+  </p:cSld>
+  <p:clrMapOvr>
+    <a:masterClrMapping/>
+  </p:clrMapOvr>
+  <p:timing>
+    <p:tnLst>
+      <p:par>
+        <p:cTn id="1" dur="indefinite" restart="never" nodeType="tmRoot">
+          <p:childTnLst>
+            <p:seq concurrent="1" nextAc="seek">
+              <p:cTn id="2" dur="indefinite" nodeType="mainSeq">
+                <p:childTnLst>
+                  <p:par>
+                    <p:cTn id="3" fill="hold">
+                      <p:stCondLst>
+                        <p:cond delay="indefinite"/>
+                      </p:stCondLst>
+                      <p:childTnLst>
+                        <p:par>
+                          <p:cTn id="4" fill="hold">
+                            <p:stCondLst>
+                              <p:cond delay="0"/>
+                            </p:stCondLst>
+                            <p:childTnLst>
+                              <p:par>
+                                <p:cTn id="5" presetID="1" presetClass="entr" presetSubtype="0" fill="hold" nodeType="clickEffect">
+                                  <p:stCondLst>
+                                    <p:cond delay="0"/>
+                                  </p:stCondLst>
+                                  <p:childTnLst>
+                                    <p:set>
+                                      <p:cBhvr>
+                                        <p:cTn id="6" dur="1" fill="hold">
+                                          <p:stCondLst>
+                                            <p:cond delay="0"/>
+                                          </p:stCondLst>
+                                        </p:cTn>
+                                        <p:tgtEl>
+                                          <p:spTgt spid="5"/>
+                                        </p:tgtEl>
+                                        <p:attrNameLst>
+                                          <p:attrName>style.visibility</p:attrName>
+                                        </p:attrNameLst>
+                                      </p:cBhvr>
+                                      <p:to>
+                                        <p:strVal val="visible"/>
+                                      </p:to>
+                                    </p:set>
+                                  </p:childTnLst>
+                                </p:cTn>
+                              </p:par>
+                            </p:childTnLst>
+                          </p:cTn>
+                        </p:par>
+                      </p:childTnLst>
+                    </p:cTn>
+                  </p:par>
+                </p:childTnLst>
+              </p:cTn>
+              <p:prevCondLst>
+                <p:cond evt="onPrev" delay="0">
+                  <p:tgtEl>
+                    <p:sldTgt/>
+                  </p:tgtEl>
+                </p:cond>
+              </p:prevCondLst>
+              <p:nextCondLst>
+                <p:cond evt="onNext" delay="0">
+                  <p:tgtEl>
+                    <p:sldTgt/>
+                  </p:tgtEl>
+                </p:cond>
+              </p:nextCondLst>
+            </p:seq>
+          </p:childTnLst>
+        </p:cTn>
+      </p:par>
+    </p:tnLst>
+  </p:timing>
+</p:sld>
+</file>
+
+<file path=ppt/slides/slide2.xml><?xml version="1.0" encoding="utf-8"?>
+<p:sld xmlns:a="http://schemas.openxmlformats.org/drawingml/2006/main" xmlns:r="http://schemas.openxmlformats.org/officeDocument/2006/relationships" xmlns:p="http://schemas.openxmlformats.org/presentationml/2006/main">
+  <p:cSld>
+    <p:spTree>
+      <p:nvGrpSpPr>
+        <p:cNvPr id="1" name=""/>
+        <p:cNvGrpSpPr/>
+        <p:nvPr/>
+      </p:nvGrpSpPr>
+      <p:grpSpPr>
+        <a:xfrm>
+          <a:off x="0" y="0"/>
+          <a:ext cx="0" cy="0"/>
+          <a:chOff x="0" y="0"/>
+          <a:chExt cx="0" cy="0"/>
+        </a:xfrm>
+      </p:grpSpPr>
+      <p:pic>
+        <p:nvPicPr>
+          <p:cNvPr id="5" name="Picture 4"/>
+          <p:cNvPicPr>
+            <a:picLocks noChangeAspect="1"/>
+          </p:cNvPicPr>
+          <p:nvPr/>
+        </p:nvPicPr>
+        <p:blipFill>
+          <a:blip r:embed="rId2" cstate="print">
+            <a:extLst>
+              <a:ext uri="{28A0092B-C50C-407E-A947-70E740481C1C}">
+                <a14:useLocalDpi xmlns:a14="http://schemas.microsoft.com/office/drawing/2010/main" val="0"/>
+              </a:ext>
+            </a:extLst>
+          </a:blip>
+          <a:stretch>
+            <a:fillRect/>
+          </a:stretch>
+        </p:blipFill>
+        <p:spPr>
+          <a:xfrm>
+            <a:off x="1201783" y="1787434"/>
+            <a:ext cx="3581400" cy="3581400"/>
+          </a:xfrm>
+          <a:prstGeom prst="rect">
+            <a:avLst/>
+          </a:prstGeom>
+        </p:spPr>
+      </p:pic>
       <p:sp>
         <p:nvSpPr>
           <p:cNvPr id="6" name="TextBox 5"/>
@@ -3031,7 +3172,7 @@
     </p:spTree>
     <p:extLst>
       <p:ext uri="{BB962C8B-B14F-4D97-AF65-F5344CB8AC3E}">
-        <p14:creationId xmlns:p14="http://schemas.microsoft.com/office/powerpoint/2010/main" val="1359149498"/>
+        <p14:creationId xmlns:p14="http://schemas.microsoft.com/office/powerpoint/2010/main" val="4023198190"/>
       </p:ext>
     </p:extLst>
   </p:cSld>
@@ -3164,473 +3305,6 @@
 </p:sld>
 </file>
 
-<file path=ppt/slides/slide2.xml><?xml version="1.0" encoding="utf-8"?>
-<p:sld xmlns:a="http://schemas.openxmlformats.org/drawingml/2006/main" xmlns:r="http://schemas.openxmlformats.org/officeDocument/2006/relationships" xmlns:p="http://schemas.openxmlformats.org/presentationml/2006/main">
-  <p:cSld>
-    <p:spTree>
-      <p:nvGrpSpPr>
-        <p:cNvPr id="1" name=""/>
-        <p:cNvGrpSpPr/>
-        <p:nvPr/>
-      </p:nvGrpSpPr>
-      <p:grpSpPr>
-        <a:xfrm>
-          <a:off x="0" y="0"/>
-          <a:ext cx="0" cy="0"/>
-          <a:chOff x="0" y="0"/>
-          <a:chExt cx="0" cy="0"/>
-        </a:xfrm>
-      </p:grpSpPr>
-      <p:pic>
-        <p:nvPicPr>
-          <p:cNvPr id="5" name="Picture 4"/>
-          <p:cNvPicPr>
-            <a:picLocks noChangeAspect="1"/>
-          </p:cNvPicPr>
-          <p:nvPr/>
-        </p:nvPicPr>
-        <p:blipFill>
-          <a:blip r:embed="rId2" cstate="print">
-            <a:extLst>
-              <a:ext uri="{28A0092B-C50C-407E-A947-70E740481C1C}">
-                <a14:useLocalDpi xmlns:a14="http://schemas.microsoft.com/office/drawing/2010/main" val="0"/>
-              </a:ext>
-            </a:extLst>
-          </a:blip>
-          <a:stretch>
-            <a:fillRect/>
-          </a:stretch>
-        </p:blipFill>
-        <p:spPr>
-          <a:xfrm>
-            <a:off x="1201783" y="1787434"/>
-            <a:ext cx="3581400" cy="3581400"/>
-          </a:xfrm>
-          <a:prstGeom prst="rect">
-            <a:avLst/>
-          </a:prstGeom>
-        </p:spPr>
-      </p:pic>
-      <p:sp>
-        <p:nvSpPr>
-          <p:cNvPr id="6" name="TextBox 5"/>
-          <p:cNvSpPr txBox="1"/>
-          <p:nvPr/>
-        </p:nvSpPr>
-        <p:spPr>
-          <a:xfrm>
-            <a:off x="6897188" y="1583182"/>
-            <a:ext cx="3500846" cy="3785652"/>
-          </a:xfrm>
-          <a:prstGeom prst="rect">
-            <a:avLst/>
-          </a:prstGeom>
-          <a:noFill/>
-        </p:spPr>
-        <p:txBody>
-          <a:bodyPr wrap="square" rtlCol="0">
-            <a:spAutoFit/>
-          </a:bodyPr>
-          <a:lstStyle/>
-          <a:p>
-            <a:pPr marL="571500" indent="-571500">
-              <a:buFont typeface="Arial" panose="020B0604020202020204" pitchFamily="34" charset="0"/>
-              <a:buChar char="•"/>
-            </a:pPr>
-            <a:r>
-              <a:rPr lang="en-US" sz="4000" dirty="0" smtClean="0"/>
-              <a:t>Size</a:t>
-            </a:r>
-          </a:p>
-          <a:p>
-            <a:pPr marL="1028700" lvl="1" indent="-571500">
-              <a:buFont typeface="Arial" panose="020B0604020202020204" pitchFamily="34" charset="0"/>
-              <a:buChar char="•"/>
-            </a:pPr>
-            <a:r>
-              <a:rPr lang="en-US" sz="4000" dirty="0" smtClean="0"/>
-              <a:t>Height</a:t>
-            </a:r>
-          </a:p>
-          <a:p>
-            <a:pPr marL="1028700" lvl="1" indent="-571500">
-              <a:buFont typeface="Arial" panose="020B0604020202020204" pitchFamily="34" charset="0"/>
-              <a:buChar char="•"/>
-            </a:pPr>
-            <a:r>
-              <a:rPr lang="en-US" sz="4000" dirty="0" smtClean="0"/>
-              <a:t>Width</a:t>
-            </a:r>
-          </a:p>
-          <a:p>
-            <a:pPr marL="571500" indent="-571500">
-              <a:buFont typeface="Arial" panose="020B0604020202020204" pitchFamily="34" charset="0"/>
-              <a:buChar char="•"/>
-            </a:pPr>
-            <a:r>
-              <a:rPr lang="en-US" sz="4000" dirty="0" smtClean="0"/>
-              <a:t>Rarity</a:t>
-            </a:r>
-          </a:p>
-          <a:p>
-            <a:pPr marL="571500" indent="-571500">
-              <a:buFont typeface="Arial" panose="020B0604020202020204" pitchFamily="34" charset="0"/>
-              <a:buChar char="•"/>
-            </a:pPr>
-            <a:r>
-              <a:rPr lang="en-US" sz="4000" dirty="0" smtClean="0"/>
-              <a:t>Health</a:t>
-            </a:r>
-          </a:p>
-          <a:p>
-            <a:pPr marL="571500" indent="-571500">
-              <a:buFont typeface="Arial" panose="020B0604020202020204" pitchFamily="34" charset="0"/>
-              <a:buChar char="•"/>
-            </a:pPr>
-            <a:r>
-              <a:rPr lang="en-US" sz="4000" dirty="0" smtClean="0"/>
-              <a:t>Type</a:t>
-            </a:r>
-          </a:p>
-        </p:txBody>
-      </p:sp>
-    </p:spTree>
-    <p:extLst>
-      <p:ext uri="{BB962C8B-B14F-4D97-AF65-F5344CB8AC3E}">
-        <p14:creationId xmlns:p14="http://schemas.microsoft.com/office/powerpoint/2010/main" val="1758321693"/>
-      </p:ext>
-    </p:extLst>
-  </p:cSld>
-  <p:clrMapOvr>
-    <a:masterClrMapping/>
-  </p:clrMapOvr>
-  <p:timing>
-    <p:tnLst>
-      <p:par>
-        <p:cTn id="1" dur="indefinite" restart="never" nodeType="tmRoot">
-          <p:childTnLst>
-            <p:seq concurrent="1" nextAc="seek">
-              <p:cTn id="2" dur="indefinite" nodeType="mainSeq">
-                <p:childTnLst>
-                  <p:par>
-                    <p:cTn id="3" fill="hold">
-                      <p:stCondLst>
-                        <p:cond delay="indefinite"/>
-                      </p:stCondLst>
-                      <p:childTnLst>
-                        <p:par>
-                          <p:cTn id="4" fill="hold">
-                            <p:stCondLst>
-                              <p:cond delay="0"/>
-                            </p:stCondLst>
-                            <p:childTnLst>
-                              <p:par>
-                                <p:cTn id="5" presetID="1" presetClass="entr" presetSubtype="0" fill="hold" nodeType="clickEffect">
-                                  <p:stCondLst>
-                                    <p:cond delay="0"/>
-                                  </p:stCondLst>
-                                  <p:childTnLst>
-                                    <p:set>
-                                      <p:cBhvr>
-                                        <p:cTn id="6" dur="1" fill="hold">
-                                          <p:stCondLst>
-                                            <p:cond delay="0"/>
-                                          </p:stCondLst>
-                                        </p:cTn>
-                                        <p:tgtEl>
-                                          <p:spTgt spid="6">
-                                            <p:txEl>
-                                              <p:pRg st="0" end="0"/>
-                                            </p:txEl>
-                                          </p:spTgt>
-                                        </p:tgtEl>
-                                        <p:attrNameLst>
-                                          <p:attrName>style.visibility</p:attrName>
-                                        </p:attrNameLst>
-                                      </p:cBhvr>
-                                      <p:to>
-                                        <p:strVal val="visible"/>
-                                      </p:to>
-                                    </p:set>
-                                  </p:childTnLst>
-                                </p:cTn>
-                              </p:par>
-                            </p:childTnLst>
-                          </p:cTn>
-                        </p:par>
-                      </p:childTnLst>
-                    </p:cTn>
-                  </p:par>
-                  <p:par>
-                    <p:cTn id="7" fill="hold">
-                      <p:stCondLst>
-                        <p:cond delay="indefinite"/>
-                      </p:stCondLst>
-                      <p:childTnLst>
-                        <p:par>
-                          <p:cTn id="8" fill="hold">
-                            <p:stCondLst>
-                              <p:cond delay="0"/>
-                            </p:stCondLst>
-                            <p:childTnLst>
-                              <p:par>
-                                <p:cTn id="9" presetID="1" presetClass="entr" presetSubtype="0" fill="hold" nodeType="clickEffect">
-                                  <p:stCondLst>
-                                    <p:cond delay="0"/>
-                                  </p:stCondLst>
-                                  <p:childTnLst>
-                                    <p:set>
-                                      <p:cBhvr>
-                                        <p:cTn id="10" dur="1" fill="hold">
-                                          <p:stCondLst>
-                                            <p:cond delay="0"/>
-                                          </p:stCondLst>
-                                        </p:cTn>
-                                        <p:tgtEl>
-                                          <p:spTgt spid="6">
-                                            <p:txEl>
-                                              <p:pRg st="1" end="1"/>
-                                            </p:txEl>
-                                          </p:spTgt>
-                                        </p:tgtEl>
-                                        <p:attrNameLst>
-                                          <p:attrName>style.visibility</p:attrName>
-                                        </p:attrNameLst>
-                                      </p:cBhvr>
-                                      <p:to>
-                                        <p:strVal val="visible"/>
-                                      </p:to>
-                                    </p:set>
-                                  </p:childTnLst>
-                                </p:cTn>
-                              </p:par>
-                            </p:childTnLst>
-                          </p:cTn>
-                        </p:par>
-                      </p:childTnLst>
-                    </p:cTn>
-                  </p:par>
-                  <p:par>
-                    <p:cTn id="11" fill="hold">
-                      <p:stCondLst>
-                        <p:cond delay="indefinite"/>
-                      </p:stCondLst>
-                      <p:childTnLst>
-                        <p:par>
-                          <p:cTn id="12" fill="hold">
-                            <p:stCondLst>
-                              <p:cond delay="0"/>
-                            </p:stCondLst>
-                            <p:childTnLst>
-                              <p:par>
-                                <p:cTn id="13" presetID="1" presetClass="entr" presetSubtype="0" fill="hold" nodeType="clickEffect">
-                                  <p:stCondLst>
-                                    <p:cond delay="0"/>
-                                  </p:stCondLst>
-                                  <p:childTnLst>
-                                    <p:set>
-                                      <p:cBhvr>
-                                        <p:cTn id="14" dur="1" fill="hold">
-                                          <p:stCondLst>
-                                            <p:cond delay="0"/>
-                                          </p:stCondLst>
-                                        </p:cTn>
-                                        <p:tgtEl>
-                                          <p:spTgt spid="6">
-                                            <p:txEl>
-                                              <p:pRg st="2" end="2"/>
-                                            </p:txEl>
-                                          </p:spTgt>
-                                        </p:tgtEl>
-                                        <p:attrNameLst>
-                                          <p:attrName>style.visibility</p:attrName>
-                                        </p:attrNameLst>
-                                      </p:cBhvr>
-                                      <p:to>
-                                        <p:strVal val="visible"/>
-                                      </p:to>
-                                    </p:set>
-                                  </p:childTnLst>
-                                </p:cTn>
-                              </p:par>
-                            </p:childTnLst>
-                          </p:cTn>
-                        </p:par>
-                      </p:childTnLst>
-                    </p:cTn>
-                  </p:par>
-                  <p:par>
-                    <p:cTn id="15" fill="hold">
-                      <p:stCondLst>
-                        <p:cond delay="indefinite"/>
-                      </p:stCondLst>
-                      <p:childTnLst>
-                        <p:par>
-                          <p:cTn id="16" fill="hold">
-                            <p:stCondLst>
-                              <p:cond delay="0"/>
-                            </p:stCondLst>
-                            <p:childTnLst>
-                              <p:par>
-                                <p:cTn id="17" presetID="1" presetClass="entr" presetSubtype="0" fill="hold" nodeType="clickEffect">
-                                  <p:stCondLst>
-                                    <p:cond delay="0"/>
-                                  </p:stCondLst>
-                                  <p:childTnLst>
-                                    <p:set>
-                                      <p:cBhvr>
-                                        <p:cTn id="18" dur="1" fill="hold">
-                                          <p:stCondLst>
-                                            <p:cond delay="0"/>
-                                          </p:stCondLst>
-                                        </p:cTn>
-                                        <p:tgtEl>
-                                          <p:spTgt spid="6">
-                                            <p:txEl>
-                                              <p:pRg st="3" end="3"/>
-                                            </p:txEl>
-                                          </p:spTgt>
-                                        </p:tgtEl>
-                                        <p:attrNameLst>
-                                          <p:attrName>style.visibility</p:attrName>
-                                        </p:attrNameLst>
-                                      </p:cBhvr>
-                                      <p:to>
-                                        <p:strVal val="visible"/>
-                                      </p:to>
-                                    </p:set>
-                                  </p:childTnLst>
-                                </p:cTn>
-                              </p:par>
-                            </p:childTnLst>
-                          </p:cTn>
-                        </p:par>
-                      </p:childTnLst>
-                    </p:cTn>
-                  </p:par>
-                  <p:par>
-                    <p:cTn id="19" fill="hold">
-                      <p:stCondLst>
-                        <p:cond delay="indefinite"/>
-                      </p:stCondLst>
-                      <p:childTnLst>
-                        <p:par>
-                          <p:cTn id="20" fill="hold">
-                            <p:stCondLst>
-                              <p:cond delay="0"/>
-                            </p:stCondLst>
-                            <p:childTnLst>
-                              <p:par>
-                                <p:cTn id="21" presetID="1" presetClass="entr" presetSubtype="0" fill="hold" nodeType="clickEffect">
-                                  <p:stCondLst>
-                                    <p:cond delay="0"/>
-                                  </p:stCondLst>
-                                  <p:childTnLst>
-                                    <p:set>
-                                      <p:cBhvr>
-                                        <p:cTn id="22" dur="1" fill="hold">
-                                          <p:stCondLst>
-                                            <p:cond delay="0"/>
-                                          </p:stCondLst>
-                                        </p:cTn>
-                                        <p:tgtEl>
-                                          <p:spTgt spid="6">
-                                            <p:txEl>
-                                              <p:pRg st="4" end="4"/>
-                                            </p:txEl>
-                                          </p:spTgt>
-                                        </p:tgtEl>
-                                        <p:attrNameLst>
-                                          <p:attrName>style.visibility</p:attrName>
-                                        </p:attrNameLst>
-                                      </p:cBhvr>
-                                      <p:to>
-                                        <p:strVal val="visible"/>
-                                      </p:to>
-                                    </p:set>
-                                  </p:childTnLst>
-                                </p:cTn>
-                              </p:par>
-                            </p:childTnLst>
-                          </p:cTn>
-                        </p:par>
-                      </p:childTnLst>
-                    </p:cTn>
-                  </p:par>
-                  <p:par>
-                    <p:cTn id="23" fill="hold">
-                      <p:stCondLst>
-                        <p:cond delay="indefinite"/>
-                      </p:stCondLst>
-                      <p:childTnLst>
-                        <p:par>
-                          <p:cTn id="24" fill="hold">
-                            <p:stCondLst>
-                              <p:cond delay="0"/>
-                            </p:stCondLst>
-                            <p:childTnLst>
-                              <p:par>
-                                <p:cTn id="25" presetID="1" presetClass="entr" presetSubtype="0" fill="hold" nodeType="clickEffect">
-                                  <p:stCondLst>
-                                    <p:cond delay="0"/>
-                                  </p:stCondLst>
-                                  <p:childTnLst>
-                                    <p:set>
-                                      <p:cBhvr>
-                                        <p:cTn id="26" dur="1" fill="hold">
-                                          <p:stCondLst>
-                                            <p:cond delay="0"/>
-                                          </p:stCondLst>
-                                        </p:cTn>
-                                        <p:tgtEl>
-                                          <p:spTgt spid="6">
-                                            <p:txEl>
-                                              <p:pRg st="5" end="5"/>
-                                            </p:txEl>
-                                          </p:spTgt>
-                                        </p:tgtEl>
-                                        <p:attrNameLst>
-                                          <p:attrName>style.visibility</p:attrName>
-                                        </p:attrNameLst>
-                                      </p:cBhvr>
-                                      <p:to>
-                                        <p:strVal val="visible"/>
-                                      </p:to>
-                                    </p:set>
-                                  </p:childTnLst>
-                                </p:cTn>
-                              </p:par>
-                            </p:childTnLst>
-                          </p:cTn>
-                        </p:par>
-                      </p:childTnLst>
-                    </p:cTn>
-                  </p:par>
-                </p:childTnLst>
-              </p:cTn>
-              <p:prevCondLst>
-                <p:cond evt="onPrev" delay="0">
-                  <p:tgtEl>
-                    <p:sldTgt/>
-                  </p:tgtEl>
-                </p:cond>
-              </p:prevCondLst>
-              <p:nextCondLst>
-                <p:cond evt="onNext" delay="0">
-                  <p:tgtEl>
-                    <p:sldTgt/>
-                  </p:tgtEl>
-                </p:cond>
-              </p:nextCondLst>
-            </p:seq>
-          </p:childTnLst>
-        </p:cTn>
-      </p:par>
-    </p:tnLst>
-  </p:timing>
-</p:sld>
-</file>
-
 <file path=ppt/slides/slide3.xml><?xml version="1.0" encoding="utf-8"?>
 <p:sld xmlns:a="http://schemas.openxmlformats.org/drawingml/2006/main" xmlns:r="http://schemas.openxmlformats.org/officeDocument/2006/relationships" xmlns:p="http://schemas.openxmlformats.org/presentationml/2006/main">
   <p:cSld>
@@ -3686,8 +3360,8 @@
         </p:nvSpPr>
         <p:spPr>
           <a:xfrm>
-            <a:off x="4783183" y="1583182"/>
-            <a:ext cx="7408817" cy="3785652"/>
+            <a:off x="6897188" y="1583182"/>
+            <a:ext cx="3500846" cy="3785652"/>
           </a:xfrm>
           <a:prstGeom prst="rect">
             <a:avLst/>
@@ -3716,7 +3390,7 @@
             </a:pPr>
             <a:r>
               <a:rPr lang="en-US" sz="4000" dirty="0" smtClean="0"/>
-              <a:t>Height (in)</a:t>
+              <a:t>Height</a:t>
             </a:r>
           </a:p>
           <a:p>
@@ -3726,7 +3400,7 @@
             </a:pPr>
             <a:r>
               <a:rPr lang="en-US" sz="4000" dirty="0" smtClean="0"/>
-              <a:t>Width (in)</a:t>
+              <a:t>Width</a:t>
             </a:r>
           </a:p>
           <a:p>
@@ -3736,7 +3410,7 @@
             </a:pPr>
             <a:r>
               <a:rPr lang="en-US" sz="4000" dirty="0" smtClean="0"/>
-              <a:t>Rarity (# of times seen before)</a:t>
+              <a:t>Rarity</a:t>
             </a:r>
           </a:p>
           <a:p>
@@ -3746,7 +3420,7 @@
             </a:pPr>
             <a:r>
               <a:rPr lang="en-US" sz="4000" dirty="0" smtClean="0"/>
-              <a:t>Healthy (yes/no)</a:t>
+              <a:t>Health</a:t>
             </a:r>
           </a:p>
           <a:p>
@@ -3756,15 +3430,7 @@
             </a:pPr>
             <a:r>
               <a:rPr lang="en-US" sz="4000" dirty="0" smtClean="0"/>
-              <a:t>Type (succulent/</a:t>
-            </a:r>
-            <a:r>
-              <a:rPr lang="en-US" sz="4000" dirty="0" err="1" smtClean="0"/>
-              <a:t>nonsucculent</a:t>
-            </a:r>
-            <a:r>
-              <a:rPr lang="en-US" sz="4000" dirty="0" smtClean="0"/>
-              <a:t>)</a:t>
+              <a:t>Type</a:t>
             </a:r>
           </a:p>
         </p:txBody>
@@ -3772,7 +3438,7 @@
     </p:spTree>
     <p:extLst>
       <p:ext uri="{BB962C8B-B14F-4D97-AF65-F5344CB8AC3E}">
-        <p14:creationId xmlns:p14="http://schemas.microsoft.com/office/powerpoint/2010/main" val="467593134"/>
+        <p14:creationId xmlns:p14="http://schemas.microsoft.com/office/powerpoint/2010/main" val="1758321693"/>
       </p:ext>
     </p:extLst>
   </p:cSld>
@@ -4153,6 +3819,481 @@
           </a:prstGeom>
         </p:spPr>
       </p:pic>
+      <p:sp>
+        <p:nvSpPr>
+          <p:cNvPr id="6" name="TextBox 5"/>
+          <p:cNvSpPr txBox="1"/>
+          <p:nvPr/>
+        </p:nvSpPr>
+        <p:spPr>
+          <a:xfrm>
+            <a:off x="4783183" y="1583182"/>
+            <a:ext cx="7408817" cy="3785652"/>
+          </a:xfrm>
+          <a:prstGeom prst="rect">
+            <a:avLst/>
+          </a:prstGeom>
+          <a:noFill/>
+        </p:spPr>
+        <p:txBody>
+          <a:bodyPr wrap="square" rtlCol="0">
+            <a:spAutoFit/>
+          </a:bodyPr>
+          <a:lstStyle/>
+          <a:p>
+            <a:pPr marL="571500" indent="-571500">
+              <a:buFont typeface="Arial" panose="020B0604020202020204" pitchFamily="34" charset="0"/>
+              <a:buChar char="•"/>
+            </a:pPr>
+            <a:r>
+              <a:rPr lang="en-US" sz="4000" dirty="0" smtClean="0"/>
+              <a:t>Size</a:t>
+            </a:r>
+          </a:p>
+          <a:p>
+            <a:pPr marL="1028700" lvl="1" indent="-571500">
+              <a:buFont typeface="Arial" panose="020B0604020202020204" pitchFamily="34" charset="0"/>
+              <a:buChar char="•"/>
+            </a:pPr>
+            <a:r>
+              <a:rPr lang="en-US" sz="4000" dirty="0" smtClean="0"/>
+              <a:t>Height (in)</a:t>
+            </a:r>
+          </a:p>
+          <a:p>
+            <a:pPr marL="1028700" lvl="1" indent="-571500">
+              <a:buFont typeface="Arial" panose="020B0604020202020204" pitchFamily="34" charset="0"/>
+              <a:buChar char="•"/>
+            </a:pPr>
+            <a:r>
+              <a:rPr lang="en-US" sz="4000" dirty="0" smtClean="0"/>
+              <a:t>Width (in)</a:t>
+            </a:r>
+          </a:p>
+          <a:p>
+            <a:pPr marL="571500" indent="-571500">
+              <a:buFont typeface="Arial" panose="020B0604020202020204" pitchFamily="34" charset="0"/>
+              <a:buChar char="•"/>
+            </a:pPr>
+            <a:r>
+              <a:rPr lang="en-US" sz="4000" dirty="0" smtClean="0"/>
+              <a:t>Rarity (# of times seen before)</a:t>
+            </a:r>
+          </a:p>
+          <a:p>
+            <a:pPr marL="571500" indent="-571500">
+              <a:buFont typeface="Arial" panose="020B0604020202020204" pitchFamily="34" charset="0"/>
+              <a:buChar char="•"/>
+            </a:pPr>
+            <a:r>
+              <a:rPr lang="en-US" sz="4000" dirty="0" smtClean="0"/>
+              <a:t>Healthy (yes/no)</a:t>
+            </a:r>
+          </a:p>
+          <a:p>
+            <a:pPr marL="571500" indent="-571500">
+              <a:buFont typeface="Arial" panose="020B0604020202020204" pitchFamily="34" charset="0"/>
+              <a:buChar char="•"/>
+            </a:pPr>
+            <a:r>
+              <a:rPr lang="en-US" sz="4000" dirty="0" smtClean="0"/>
+              <a:t>Type (succulent/</a:t>
+            </a:r>
+            <a:r>
+              <a:rPr lang="en-US" sz="4000" dirty="0" err="1" smtClean="0"/>
+              <a:t>nonsucculent</a:t>
+            </a:r>
+            <a:r>
+              <a:rPr lang="en-US" sz="4000" dirty="0" smtClean="0"/>
+              <a:t>)</a:t>
+            </a:r>
+          </a:p>
+        </p:txBody>
+      </p:sp>
+    </p:spTree>
+    <p:extLst>
+      <p:ext uri="{BB962C8B-B14F-4D97-AF65-F5344CB8AC3E}">
+        <p14:creationId xmlns:p14="http://schemas.microsoft.com/office/powerpoint/2010/main" val="467593134"/>
+      </p:ext>
+    </p:extLst>
+  </p:cSld>
+  <p:clrMapOvr>
+    <a:masterClrMapping/>
+  </p:clrMapOvr>
+  <p:timing>
+    <p:tnLst>
+      <p:par>
+        <p:cTn id="1" dur="indefinite" restart="never" nodeType="tmRoot">
+          <p:childTnLst>
+            <p:seq concurrent="1" nextAc="seek">
+              <p:cTn id="2" dur="indefinite" nodeType="mainSeq">
+                <p:childTnLst>
+                  <p:par>
+                    <p:cTn id="3" fill="hold">
+                      <p:stCondLst>
+                        <p:cond delay="indefinite"/>
+                      </p:stCondLst>
+                      <p:childTnLst>
+                        <p:par>
+                          <p:cTn id="4" fill="hold">
+                            <p:stCondLst>
+                              <p:cond delay="0"/>
+                            </p:stCondLst>
+                            <p:childTnLst>
+                              <p:par>
+                                <p:cTn id="5" presetID="1" presetClass="entr" presetSubtype="0" fill="hold" nodeType="clickEffect">
+                                  <p:stCondLst>
+                                    <p:cond delay="0"/>
+                                  </p:stCondLst>
+                                  <p:childTnLst>
+                                    <p:set>
+                                      <p:cBhvr>
+                                        <p:cTn id="6" dur="1" fill="hold">
+                                          <p:stCondLst>
+                                            <p:cond delay="0"/>
+                                          </p:stCondLst>
+                                        </p:cTn>
+                                        <p:tgtEl>
+                                          <p:spTgt spid="6">
+                                            <p:txEl>
+                                              <p:pRg st="0" end="0"/>
+                                            </p:txEl>
+                                          </p:spTgt>
+                                        </p:tgtEl>
+                                        <p:attrNameLst>
+                                          <p:attrName>style.visibility</p:attrName>
+                                        </p:attrNameLst>
+                                      </p:cBhvr>
+                                      <p:to>
+                                        <p:strVal val="visible"/>
+                                      </p:to>
+                                    </p:set>
+                                  </p:childTnLst>
+                                </p:cTn>
+                              </p:par>
+                            </p:childTnLst>
+                          </p:cTn>
+                        </p:par>
+                      </p:childTnLst>
+                    </p:cTn>
+                  </p:par>
+                  <p:par>
+                    <p:cTn id="7" fill="hold">
+                      <p:stCondLst>
+                        <p:cond delay="indefinite"/>
+                      </p:stCondLst>
+                      <p:childTnLst>
+                        <p:par>
+                          <p:cTn id="8" fill="hold">
+                            <p:stCondLst>
+                              <p:cond delay="0"/>
+                            </p:stCondLst>
+                            <p:childTnLst>
+                              <p:par>
+                                <p:cTn id="9" presetID="1" presetClass="entr" presetSubtype="0" fill="hold" nodeType="clickEffect">
+                                  <p:stCondLst>
+                                    <p:cond delay="0"/>
+                                  </p:stCondLst>
+                                  <p:childTnLst>
+                                    <p:set>
+                                      <p:cBhvr>
+                                        <p:cTn id="10" dur="1" fill="hold">
+                                          <p:stCondLst>
+                                            <p:cond delay="0"/>
+                                          </p:stCondLst>
+                                        </p:cTn>
+                                        <p:tgtEl>
+                                          <p:spTgt spid="6">
+                                            <p:txEl>
+                                              <p:pRg st="1" end="1"/>
+                                            </p:txEl>
+                                          </p:spTgt>
+                                        </p:tgtEl>
+                                        <p:attrNameLst>
+                                          <p:attrName>style.visibility</p:attrName>
+                                        </p:attrNameLst>
+                                      </p:cBhvr>
+                                      <p:to>
+                                        <p:strVal val="visible"/>
+                                      </p:to>
+                                    </p:set>
+                                  </p:childTnLst>
+                                </p:cTn>
+                              </p:par>
+                            </p:childTnLst>
+                          </p:cTn>
+                        </p:par>
+                      </p:childTnLst>
+                    </p:cTn>
+                  </p:par>
+                  <p:par>
+                    <p:cTn id="11" fill="hold">
+                      <p:stCondLst>
+                        <p:cond delay="indefinite"/>
+                      </p:stCondLst>
+                      <p:childTnLst>
+                        <p:par>
+                          <p:cTn id="12" fill="hold">
+                            <p:stCondLst>
+                              <p:cond delay="0"/>
+                            </p:stCondLst>
+                            <p:childTnLst>
+                              <p:par>
+                                <p:cTn id="13" presetID="1" presetClass="entr" presetSubtype="0" fill="hold" nodeType="clickEffect">
+                                  <p:stCondLst>
+                                    <p:cond delay="0"/>
+                                  </p:stCondLst>
+                                  <p:childTnLst>
+                                    <p:set>
+                                      <p:cBhvr>
+                                        <p:cTn id="14" dur="1" fill="hold">
+                                          <p:stCondLst>
+                                            <p:cond delay="0"/>
+                                          </p:stCondLst>
+                                        </p:cTn>
+                                        <p:tgtEl>
+                                          <p:spTgt spid="6">
+                                            <p:txEl>
+                                              <p:pRg st="2" end="2"/>
+                                            </p:txEl>
+                                          </p:spTgt>
+                                        </p:tgtEl>
+                                        <p:attrNameLst>
+                                          <p:attrName>style.visibility</p:attrName>
+                                        </p:attrNameLst>
+                                      </p:cBhvr>
+                                      <p:to>
+                                        <p:strVal val="visible"/>
+                                      </p:to>
+                                    </p:set>
+                                  </p:childTnLst>
+                                </p:cTn>
+                              </p:par>
+                            </p:childTnLst>
+                          </p:cTn>
+                        </p:par>
+                      </p:childTnLst>
+                    </p:cTn>
+                  </p:par>
+                  <p:par>
+                    <p:cTn id="15" fill="hold">
+                      <p:stCondLst>
+                        <p:cond delay="indefinite"/>
+                      </p:stCondLst>
+                      <p:childTnLst>
+                        <p:par>
+                          <p:cTn id="16" fill="hold">
+                            <p:stCondLst>
+                              <p:cond delay="0"/>
+                            </p:stCondLst>
+                            <p:childTnLst>
+                              <p:par>
+                                <p:cTn id="17" presetID="1" presetClass="entr" presetSubtype="0" fill="hold" nodeType="clickEffect">
+                                  <p:stCondLst>
+                                    <p:cond delay="0"/>
+                                  </p:stCondLst>
+                                  <p:childTnLst>
+                                    <p:set>
+                                      <p:cBhvr>
+                                        <p:cTn id="18" dur="1" fill="hold">
+                                          <p:stCondLst>
+                                            <p:cond delay="0"/>
+                                          </p:stCondLst>
+                                        </p:cTn>
+                                        <p:tgtEl>
+                                          <p:spTgt spid="6">
+                                            <p:txEl>
+                                              <p:pRg st="3" end="3"/>
+                                            </p:txEl>
+                                          </p:spTgt>
+                                        </p:tgtEl>
+                                        <p:attrNameLst>
+                                          <p:attrName>style.visibility</p:attrName>
+                                        </p:attrNameLst>
+                                      </p:cBhvr>
+                                      <p:to>
+                                        <p:strVal val="visible"/>
+                                      </p:to>
+                                    </p:set>
+                                  </p:childTnLst>
+                                </p:cTn>
+                              </p:par>
+                            </p:childTnLst>
+                          </p:cTn>
+                        </p:par>
+                      </p:childTnLst>
+                    </p:cTn>
+                  </p:par>
+                  <p:par>
+                    <p:cTn id="19" fill="hold">
+                      <p:stCondLst>
+                        <p:cond delay="indefinite"/>
+                      </p:stCondLst>
+                      <p:childTnLst>
+                        <p:par>
+                          <p:cTn id="20" fill="hold">
+                            <p:stCondLst>
+                              <p:cond delay="0"/>
+                            </p:stCondLst>
+                            <p:childTnLst>
+                              <p:par>
+                                <p:cTn id="21" presetID="1" presetClass="entr" presetSubtype="0" fill="hold" nodeType="clickEffect">
+                                  <p:stCondLst>
+                                    <p:cond delay="0"/>
+                                  </p:stCondLst>
+                                  <p:childTnLst>
+                                    <p:set>
+                                      <p:cBhvr>
+                                        <p:cTn id="22" dur="1" fill="hold">
+                                          <p:stCondLst>
+                                            <p:cond delay="0"/>
+                                          </p:stCondLst>
+                                        </p:cTn>
+                                        <p:tgtEl>
+                                          <p:spTgt spid="6">
+                                            <p:txEl>
+                                              <p:pRg st="4" end="4"/>
+                                            </p:txEl>
+                                          </p:spTgt>
+                                        </p:tgtEl>
+                                        <p:attrNameLst>
+                                          <p:attrName>style.visibility</p:attrName>
+                                        </p:attrNameLst>
+                                      </p:cBhvr>
+                                      <p:to>
+                                        <p:strVal val="visible"/>
+                                      </p:to>
+                                    </p:set>
+                                  </p:childTnLst>
+                                </p:cTn>
+                              </p:par>
+                            </p:childTnLst>
+                          </p:cTn>
+                        </p:par>
+                      </p:childTnLst>
+                    </p:cTn>
+                  </p:par>
+                  <p:par>
+                    <p:cTn id="23" fill="hold">
+                      <p:stCondLst>
+                        <p:cond delay="indefinite"/>
+                      </p:stCondLst>
+                      <p:childTnLst>
+                        <p:par>
+                          <p:cTn id="24" fill="hold">
+                            <p:stCondLst>
+                              <p:cond delay="0"/>
+                            </p:stCondLst>
+                            <p:childTnLst>
+                              <p:par>
+                                <p:cTn id="25" presetID="1" presetClass="entr" presetSubtype="0" fill="hold" nodeType="clickEffect">
+                                  <p:stCondLst>
+                                    <p:cond delay="0"/>
+                                  </p:stCondLst>
+                                  <p:childTnLst>
+                                    <p:set>
+                                      <p:cBhvr>
+                                        <p:cTn id="26" dur="1" fill="hold">
+                                          <p:stCondLst>
+                                            <p:cond delay="0"/>
+                                          </p:stCondLst>
+                                        </p:cTn>
+                                        <p:tgtEl>
+                                          <p:spTgt spid="6">
+                                            <p:txEl>
+                                              <p:pRg st="5" end="5"/>
+                                            </p:txEl>
+                                          </p:spTgt>
+                                        </p:tgtEl>
+                                        <p:attrNameLst>
+                                          <p:attrName>style.visibility</p:attrName>
+                                        </p:attrNameLst>
+                                      </p:cBhvr>
+                                      <p:to>
+                                        <p:strVal val="visible"/>
+                                      </p:to>
+                                    </p:set>
+                                  </p:childTnLst>
+                                </p:cTn>
+                              </p:par>
+                            </p:childTnLst>
+                          </p:cTn>
+                        </p:par>
+                      </p:childTnLst>
+                    </p:cTn>
+                  </p:par>
+                </p:childTnLst>
+              </p:cTn>
+              <p:prevCondLst>
+                <p:cond evt="onPrev" delay="0">
+                  <p:tgtEl>
+                    <p:sldTgt/>
+                  </p:tgtEl>
+                </p:cond>
+              </p:prevCondLst>
+              <p:nextCondLst>
+                <p:cond evt="onNext" delay="0">
+                  <p:tgtEl>
+                    <p:sldTgt/>
+                  </p:tgtEl>
+                </p:cond>
+              </p:nextCondLst>
+            </p:seq>
+          </p:childTnLst>
+        </p:cTn>
+      </p:par>
+    </p:tnLst>
+  </p:timing>
+</p:sld>
+</file>
+
+<file path=ppt/slides/slide5.xml><?xml version="1.0" encoding="utf-8"?>
+<p:sld xmlns:a="http://schemas.openxmlformats.org/drawingml/2006/main" xmlns:r="http://schemas.openxmlformats.org/officeDocument/2006/relationships" xmlns:p="http://schemas.openxmlformats.org/presentationml/2006/main">
+  <p:cSld>
+    <p:spTree>
+      <p:nvGrpSpPr>
+        <p:cNvPr id="1" name=""/>
+        <p:cNvGrpSpPr/>
+        <p:nvPr/>
+      </p:nvGrpSpPr>
+      <p:grpSpPr>
+        <a:xfrm>
+          <a:off x="0" y="0"/>
+          <a:ext cx="0" cy="0"/>
+          <a:chOff x="0" y="0"/>
+          <a:chExt cx="0" cy="0"/>
+        </a:xfrm>
+      </p:grpSpPr>
+      <p:pic>
+        <p:nvPicPr>
+          <p:cNvPr id="5" name="Picture 4"/>
+          <p:cNvPicPr>
+            <a:picLocks noChangeAspect="1"/>
+          </p:cNvPicPr>
+          <p:nvPr/>
+        </p:nvPicPr>
+        <p:blipFill>
+          <a:blip r:embed="rId2" cstate="print">
+            <a:extLst>
+              <a:ext uri="{28A0092B-C50C-407E-A947-70E740481C1C}">
+                <a14:useLocalDpi xmlns:a14="http://schemas.microsoft.com/office/drawing/2010/main" val="0"/>
+              </a:ext>
+            </a:extLst>
+          </a:blip>
+          <a:stretch>
+            <a:fillRect/>
+          </a:stretch>
+        </p:blipFill>
+        <p:spPr>
+          <a:xfrm>
+            <a:off x="1201783" y="1787434"/>
+            <a:ext cx="3581400" cy="3581400"/>
+          </a:xfrm>
+          <a:prstGeom prst="rect">
+            <a:avLst/>
+          </a:prstGeom>
+        </p:spPr>
+      </p:pic>
       <p:graphicFrame>
         <p:nvGraphicFramePr>
           <p:cNvPr id="2" name="Table 1"/>
@@ -4427,7 +4568,7 @@
 </p:sld>
 </file>
 
-<file path=ppt/slides/slide5.xml><?xml version="1.0" encoding="utf-8"?>
+<file path=ppt/slides/slide6.xml><?xml version="1.0" encoding="utf-8"?>
 <p:sld xmlns:a="http://schemas.openxmlformats.org/drawingml/2006/main" xmlns:r="http://schemas.openxmlformats.org/officeDocument/2006/relationships" xmlns:p="http://schemas.openxmlformats.org/presentationml/2006/main">
   <p:cSld>
     <p:spTree>
